--- a/panel_figures.pptx
+++ b/panel_figures.pptx
@@ -263,7 +263,7 @@
           <a:p>
             <a:fld id="{C2AB0087-9762-F140-9D8A-A7A7BD9BA196}" type="datetimeFigureOut">
               <a:rPr lang="en-US" smtClean="0"/>
-              <a:t>8/22/25</a:t>
+              <a:t>9/24/25</a:t>
             </a:fld>
             <a:endParaRPr lang="en-US"/>
           </a:p>
@@ -461,7 +461,7 @@
           <a:p>
             <a:fld id="{C2AB0087-9762-F140-9D8A-A7A7BD9BA196}" type="datetimeFigureOut">
               <a:rPr lang="en-US" smtClean="0"/>
-              <a:t>8/22/25</a:t>
+              <a:t>9/24/25</a:t>
             </a:fld>
             <a:endParaRPr lang="en-US"/>
           </a:p>
@@ -669,7 +669,7 @@
           <a:p>
             <a:fld id="{C2AB0087-9762-F140-9D8A-A7A7BD9BA196}" type="datetimeFigureOut">
               <a:rPr lang="en-US" smtClean="0"/>
-              <a:t>8/22/25</a:t>
+              <a:t>9/24/25</a:t>
             </a:fld>
             <a:endParaRPr lang="en-US"/>
           </a:p>
@@ -867,7 +867,7 @@
           <a:p>
             <a:fld id="{C2AB0087-9762-F140-9D8A-A7A7BD9BA196}" type="datetimeFigureOut">
               <a:rPr lang="en-US" smtClean="0"/>
-              <a:t>8/22/25</a:t>
+              <a:t>9/24/25</a:t>
             </a:fld>
             <a:endParaRPr lang="en-US"/>
           </a:p>
@@ -1142,7 +1142,7 @@
           <a:p>
             <a:fld id="{C2AB0087-9762-F140-9D8A-A7A7BD9BA196}" type="datetimeFigureOut">
               <a:rPr lang="en-US" smtClean="0"/>
-              <a:t>8/22/25</a:t>
+              <a:t>9/24/25</a:t>
             </a:fld>
             <a:endParaRPr lang="en-US"/>
           </a:p>
@@ -1407,7 +1407,7 @@
           <a:p>
             <a:fld id="{C2AB0087-9762-F140-9D8A-A7A7BD9BA196}" type="datetimeFigureOut">
               <a:rPr lang="en-US" smtClean="0"/>
-              <a:t>8/22/25</a:t>
+              <a:t>9/24/25</a:t>
             </a:fld>
             <a:endParaRPr lang="en-US"/>
           </a:p>
@@ -1819,7 +1819,7 @@
           <a:p>
             <a:fld id="{C2AB0087-9762-F140-9D8A-A7A7BD9BA196}" type="datetimeFigureOut">
               <a:rPr lang="en-US" smtClean="0"/>
-              <a:t>8/22/25</a:t>
+              <a:t>9/24/25</a:t>
             </a:fld>
             <a:endParaRPr lang="en-US"/>
           </a:p>
@@ -1960,7 +1960,7 @@
           <a:p>
             <a:fld id="{C2AB0087-9762-F140-9D8A-A7A7BD9BA196}" type="datetimeFigureOut">
               <a:rPr lang="en-US" smtClean="0"/>
-              <a:t>8/22/25</a:t>
+              <a:t>9/24/25</a:t>
             </a:fld>
             <a:endParaRPr lang="en-US"/>
           </a:p>
@@ -2073,7 +2073,7 @@
           <a:p>
             <a:fld id="{C2AB0087-9762-F140-9D8A-A7A7BD9BA196}" type="datetimeFigureOut">
               <a:rPr lang="en-US" smtClean="0"/>
-              <a:t>8/22/25</a:t>
+              <a:t>9/24/25</a:t>
             </a:fld>
             <a:endParaRPr lang="en-US"/>
           </a:p>
@@ -2384,7 +2384,7 @@
           <a:p>
             <a:fld id="{C2AB0087-9762-F140-9D8A-A7A7BD9BA196}" type="datetimeFigureOut">
               <a:rPr lang="en-US" smtClean="0"/>
-              <a:t>8/22/25</a:t>
+              <a:t>9/24/25</a:t>
             </a:fld>
             <a:endParaRPr lang="en-US"/>
           </a:p>
@@ -2672,7 +2672,7 @@
           <a:p>
             <a:fld id="{C2AB0087-9762-F140-9D8A-A7A7BD9BA196}" type="datetimeFigureOut">
               <a:rPr lang="en-US" smtClean="0"/>
-              <a:t>8/22/25</a:t>
+              <a:t>9/24/25</a:t>
             </a:fld>
             <a:endParaRPr lang="en-US"/>
           </a:p>
@@ -2913,7 +2913,7 @@
           <a:p>
             <a:fld id="{C2AB0087-9762-F140-9D8A-A7A7BD9BA196}" type="datetimeFigureOut">
               <a:rPr lang="en-US" smtClean="0"/>
-              <a:t>8/22/25</a:t>
+              <a:t>9/24/25</a:t>
             </a:fld>
             <a:endParaRPr lang="en-US"/>
           </a:p>
@@ -3500,10 +3500,10 @@
       </p:grpSpPr>
       <p:grpSp>
         <p:nvGrpSpPr>
-          <p:cNvPr id="13" name="Group 12">
-            <a:extLst>
-              <a:ext uri="{FF2B5EF4-FFF2-40B4-BE49-F238E27FC236}">
-                <a16:creationId xmlns:a16="http://schemas.microsoft.com/office/drawing/2014/main" id="{639D7651-15A1-92E8-CC44-18308AA4CF1B}"/>
+          <p:cNvPr id="7" name="Group 6">
+            <a:extLst>
+              <a:ext uri="{FF2B5EF4-FFF2-40B4-BE49-F238E27FC236}">
+                <a16:creationId xmlns:a16="http://schemas.microsoft.com/office/drawing/2014/main" id="{B81F5BC9-56D7-60EC-5AA3-7F0D577402EE}"/>
               </a:ext>
             </a:extLst>
           </p:cNvPr>
@@ -3513,9 +3513,9 @@
         <p:grpSpPr>
           <a:xfrm>
             <a:off x="804333" y="566058"/>
-            <a:ext cx="11215128" cy="4817531"/>
+            <a:ext cx="10156710" cy="4817531"/>
             <a:chOff x="804333" y="566058"/>
-            <a:chExt cx="11215128" cy="4817531"/>
+            <a:chExt cx="10156710" cy="4817531"/>
           </a:xfrm>
         </p:grpSpPr>
         <p:pic>
@@ -3620,10 +3620,10 @@
         </p:sp>
         <p:pic>
           <p:nvPicPr>
-            <p:cNvPr id="12" name="Picture 11" descr="A screen shot of a black background&#10;&#10;AI-generated content may be incorrect.">
+            <p:cNvPr id="3" name="Picture 2" descr="A screenshot of a video game&#10;&#10;AI-generated content may be incorrect.">
               <a:extLst>
                 <a:ext uri="{FF2B5EF4-FFF2-40B4-BE49-F238E27FC236}">
-                  <a16:creationId xmlns:a16="http://schemas.microsoft.com/office/drawing/2014/main" id="{DC63F8D2-8046-5051-8A48-D9A5607AB2AF}"/>
+                  <a16:creationId xmlns:a16="http://schemas.microsoft.com/office/drawing/2014/main" id="{CFB35D96-1E1F-AB0C-A692-0ECA309BA564}"/>
                 </a:ext>
               </a:extLst>
             </p:cNvPr>
@@ -3641,7 +3641,7 @@
           <p:spPr>
             <a:xfrm>
               <a:off x="6727371" y="1149917"/>
-              <a:ext cx="5292090" cy="4233672"/>
+              <a:ext cx="4233672" cy="4233672"/>
             </a:xfrm>
             <a:prstGeom prst="rect">
               <a:avLst/>
